--- a/images/1/图例.pptx
+++ b/images/1/图例.pptx
@@ -6,6 +6,7 @@
   </p:sldMasterIdLst>
   <p:sldIdLst>
     <p:sldId id="256" r:id="rId3"/>
+    <p:sldId id="257" r:id="rId4"/>
   </p:sldIdLst>
   <p:sldSz cx="12192000" cy="6858000"/>
   <p:notesSz cx="6858000" cy="9144000"/>
@@ -4362,6 +4363,362 @@
           </a:fontRef>
         </p:style>
       </p:cxnSp>
+      <p:sp>
+        <p:nvSpPr>
+          <p:cNvPr id="2" name="文本框 1"/>
+          <p:cNvSpPr txBox="1"/>
+          <p:nvPr/>
+        </p:nvSpPr>
+        <p:spPr>
+          <a:xfrm>
+            <a:off x="9530715" y="2275205"/>
+            <a:ext cx="1541145" cy="1076325"/>
+          </a:xfrm>
+          <a:prstGeom prst="rect">
+            <a:avLst/>
+          </a:prstGeom>
+          <a:noFill/>
+        </p:spPr>
+        <p:txBody>
+          <a:bodyPr wrap="square" rtlCol="0">
+            <a:spAutoFit/>
+          </a:bodyPr>
+          <a:p>
+            <a:r>
+              <a:rPr lang="en-US" altLang="zh-CN" sz="3200"/>
+              <a:t>Tomcat</a:t>
+            </a:r>
+            <a:endParaRPr lang="en-US" altLang="zh-CN" sz="3200"/>
+          </a:p>
+          <a:p>
+            <a:r>
+              <a:rPr lang="zh-CN" altLang="en-US" sz="3200"/>
+              <a:t>架构图</a:t>
+            </a:r>
+            <a:endParaRPr lang="zh-CN" altLang="en-US" sz="3200"/>
+          </a:p>
+        </p:txBody>
+      </p:sp>
+    </p:spTree>
+  </p:cSld>
+  <p:clrMapOvr>
+    <a:masterClrMapping/>
+  </p:clrMapOvr>
+</p:sld>
+</file>
+
+<file path=ppt/slides/slide2.xml><?xml version="1.0" encoding="utf-8"?>
+<p:sld xmlns:a="http://schemas.openxmlformats.org/drawingml/2006/main" xmlns:r="http://schemas.openxmlformats.org/officeDocument/2006/relationships" xmlns:p="http://schemas.openxmlformats.org/presentationml/2006/main">
+  <p:cSld>
+    <p:spTree>
+      <p:nvGrpSpPr>
+        <p:cNvPr id="1" name=""/>
+        <p:cNvGrpSpPr/>
+        <p:nvPr/>
+      </p:nvGrpSpPr>
+      <p:grpSpPr/>
+      <p:sp>
+        <p:nvSpPr>
+          <p:cNvPr id="4" name="文本框 3"/>
+          <p:cNvSpPr txBox="1"/>
+          <p:nvPr/>
+        </p:nvSpPr>
+        <p:spPr>
+          <a:xfrm>
+            <a:off x="122555" y="1885950"/>
+            <a:ext cx="10935970" cy="583565"/>
+          </a:xfrm>
+          <a:prstGeom prst="rect">
+            <a:avLst/>
+          </a:prstGeom>
+          <a:noFill/>
+        </p:spPr>
+        <p:txBody>
+          <a:bodyPr wrap="none" rtlCol="0">
+            <a:spAutoFit/>
+          </a:bodyPr>
+          <a:p>
+            <a:r>
+              <a:rPr lang="en-US" altLang="zh-CN" sz="3200"/>
+              <a:t>http://localhost:8080/MyWebProject/initDataServlet?name=Jack</a:t>
+            </a:r>
+            <a:endParaRPr lang="en-US" altLang="zh-CN" sz="3200"/>
+          </a:p>
+        </p:txBody>
+      </p:sp>
+      <p:sp>
+        <p:nvSpPr>
+          <p:cNvPr id="5" name="左大括号 4" title="getRequestURL()"/>
+          <p:cNvSpPr/>
+          <p:nvPr/>
+        </p:nvSpPr>
+        <p:spPr>
+          <a:xfrm rot="16200000">
+            <a:off x="6089650" y="170815"/>
+            <a:ext cx="515620" cy="5237480"/>
+          </a:xfrm>
+          <a:prstGeom prst="leftBrace">
+            <a:avLst>
+              <a:gd name="adj1" fmla="val 8333"/>
+              <a:gd name="adj2" fmla="val 50009"/>
+            </a:avLst>
+          </a:prstGeom>
+          <a:solidFill>
+            <a:schemeClr val="bg1"/>
+          </a:solidFill>
+          <a:ln>
+            <a:solidFill>
+              <a:schemeClr val="accent4"/>
+            </a:solidFill>
+          </a:ln>
+        </p:spPr>
+        <p:style>
+          <a:lnRef idx="1">
+            <a:schemeClr val="accent1"/>
+          </a:lnRef>
+          <a:fillRef idx="0">
+            <a:schemeClr val="accent1"/>
+          </a:fillRef>
+          <a:effectRef idx="0">
+            <a:schemeClr val="accent1"/>
+          </a:effectRef>
+          <a:fontRef idx="minor">
+            <a:schemeClr val="tx1"/>
+          </a:fontRef>
+        </p:style>
+        <p:txBody>
+          <a:bodyPr vert="eaVert" wrap="square" rtlCol="0" anchor="ctr"/>
+          <a:p>
+            <a:pPr algn="ctr"/>
+            <a:r>
+              <a:rPr lang="en-US" altLang="zh-CN" sz="2400" b="1">
+                <a:solidFill>
+                  <a:schemeClr val="accent4"/>
+                </a:solidFill>
+              </a:rPr>
+              <a:t>getRequestURI()</a:t>
+            </a:r>
+            <a:endParaRPr lang="en-US" altLang="zh-CN" sz="2400" b="1">
+              <a:solidFill>
+                <a:schemeClr val="accent4"/>
+              </a:solidFill>
+            </a:endParaRPr>
+          </a:p>
+        </p:txBody>
+      </p:sp>
+      <p:sp>
+        <p:nvSpPr>
+          <p:cNvPr id="6" name="左大括号 5" title="getRequestURL()"/>
+          <p:cNvSpPr/>
+          <p:nvPr/>
+        </p:nvSpPr>
+        <p:spPr>
+          <a:xfrm rot="16200000">
+            <a:off x="4340225" y="-1068070"/>
+            <a:ext cx="510540" cy="8740775"/>
+          </a:xfrm>
+          <a:prstGeom prst="leftBrace">
+            <a:avLst>
+              <a:gd name="adj1" fmla="val 8333"/>
+              <a:gd name="adj2" fmla="val 50000"/>
+            </a:avLst>
+          </a:prstGeom>
+        </p:spPr>
+        <p:style>
+          <a:lnRef idx="1">
+            <a:schemeClr val="accent1"/>
+          </a:lnRef>
+          <a:fillRef idx="0">
+            <a:schemeClr val="accent1"/>
+          </a:fillRef>
+          <a:effectRef idx="0">
+            <a:schemeClr val="accent1"/>
+          </a:effectRef>
+          <a:fontRef idx="minor">
+            <a:schemeClr val="tx1"/>
+          </a:fontRef>
+        </p:style>
+        <p:txBody>
+          <a:bodyPr vert="eaVert" wrap="square" rtlCol="0" anchor="ctr"/>
+          <a:p>
+            <a:pPr algn="ctr"/>
+            <a:r>
+              <a:rPr lang="en-US" altLang="zh-CN" sz="2400" b="1">
+                <a:solidFill>
+                  <a:schemeClr val="accent5"/>
+                </a:solidFill>
+              </a:rPr>
+              <a:t>getRequestURL()</a:t>
+            </a:r>
+            <a:endParaRPr lang="en-US" altLang="zh-CN" sz="2400" b="1">
+              <a:solidFill>
+                <a:schemeClr val="accent5"/>
+              </a:solidFill>
+            </a:endParaRPr>
+          </a:p>
+        </p:txBody>
+      </p:sp>
+      <p:sp>
+        <p:nvSpPr>
+          <p:cNvPr id="7" name="左大括号 6" title="getRequestURL()"/>
+          <p:cNvSpPr/>
+          <p:nvPr/>
+        </p:nvSpPr>
+        <p:spPr>
+          <a:xfrm rot="5400000">
+            <a:off x="4847590" y="399415"/>
+            <a:ext cx="367030" cy="2605405"/>
+          </a:xfrm>
+          <a:prstGeom prst="leftBrace">
+            <a:avLst>
+              <a:gd name="adj1" fmla="val 8333"/>
+              <a:gd name="adj2" fmla="val 50009"/>
+            </a:avLst>
+          </a:prstGeom>
+          <a:solidFill>
+            <a:schemeClr val="bg1"/>
+          </a:solidFill>
+          <a:ln>
+            <a:solidFill>
+              <a:schemeClr val="accent2"/>
+            </a:solidFill>
+          </a:ln>
+        </p:spPr>
+        <p:style>
+          <a:lnRef idx="1">
+            <a:schemeClr val="accent1"/>
+          </a:lnRef>
+          <a:fillRef idx="0">
+            <a:schemeClr val="accent1"/>
+          </a:fillRef>
+          <a:effectRef idx="0">
+            <a:schemeClr val="accent1"/>
+          </a:effectRef>
+          <a:fontRef idx="minor">
+            <a:schemeClr val="tx1"/>
+          </a:fontRef>
+        </p:style>
+        <p:txBody>
+          <a:bodyPr vert="vert270" wrap="square" lIns="90170" tIns="46990" rIns="90170" bIns="46990" rtlCol="0" anchor="ctr" anchorCtr="0"/>
+          <a:p>
+            <a:pPr algn="ctr"/>
+            <a:r>
+              <a:rPr lang="en-US" altLang="zh-CN" sz="2400" b="1">
+                <a:solidFill>
+                  <a:schemeClr val="accent2"/>
+                </a:solidFill>
+              </a:rPr>
+              <a:t>getContextPath()</a:t>
+            </a:r>
+            <a:endParaRPr lang="en-US" altLang="zh-CN" sz="2400" b="1">
+              <a:solidFill>
+                <a:schemeClr val="accent2"/>
+              </a:solidFill>
+            </a:endParaRPr>
+          </a:p>
+        </p:txBody>
+      </p:sp>
+      <p:sp>
+        <p:nvSpPr>
+          <p:cNvPr id="2" name="左大括号 1" title="getRequestURL()"/>
+          <p:cNvSpPr/>
+          <p:nvPr/>
+        </p:nvSpPr>
+        <p:spPr>
+          <a:xfrm rot="5400000">
+            <a:off x="7478395" y="397510"/>
+            <a:ext cx="367030" cy="2609215"/>
+          </a:xfrm>
+          <a:prstGeom prst="leftBrace">
+            <a:avLst>
+              <a:gd name="adj1" fmla="val 8333"/>
+              <a:gd name="adj2" fmla="val 50009"/>
+            </a:avLst>
+          </a:prstGeom>
+          <a:solidFill>
+            <a:schemeClr val="bg1"/>
+          </a:solidFill>
+          <a:ln>
+            <a:solidFill>
+              <a:schemeClr val="accent6"/>
+            </a:solidFill>
+          </a:ln>
+        </p:spPr>
+        <p:style>
+          <a:lnRef idx="1">
+            <a:schemeClr val="accent1"/>
+          </a:lnRef>
+          <a:fillRef idx="0">
+            <a:schemeClr val="accent1"/>
+          </a:fillRef>
+          <a:effectRef idx="0">
+            <a:schemeClr val="accent1"/>
+          </a:effectRef>
+          <a:fontRef idx="minor">
+            <a:schemeClr val="tx1"/>
+          </a:fontRef>
+        </p:style>
+        <p:txBody>
+          <a:bodyPr vert="vert270" wrap="square" lIns="90170" tIns="46990" rIns="90170" bIns="46990" rtlCol="0" anchor="ctr" anchorCtr="0"/>
+          <a:p>
+            <a:pPr algn="ctr"/>
+            <a:r>
+              <a:rPr lang="en-US" altLang="zh-CN" sz="2400" b="1">
+                <a:solidFill>
+                  <a:schemeClr val="accent6"/>
+                </a:solidFill>
+              </a:rPr>
+              <a:t>getServletPath()</a:t>
+            </a:r>
+            <a:endParaRPr lang="en-US" altLang="zh-CN" sz="2400" b="1">
+              <a:solidFill>
+                <a:schemeClr val="accent6"/>
+              </a:solidFill>
+            </a:endParaRPr>
+          </a:p>
+        </p:txBody>
+      </p:sp>
+      <p:sp>
+        <p:nvSpPr>
+          <p:cNvPr id="3" name="文本框 2"/>
+          <p:cNvSpPr txBox="1"/>
+          <p:nvPr/>
+        </p:nvSpPr>
+        <p:spPr>
+          <a:xfrm>
+            <a:off x="3930015" y="315595"/>
+            <a:ext cx="2569845" cy="368300"/>
+          </a:xfrm>
+          <a:prstGeom prst="rect">
+            <a:avLst/>
+          </a:prstGeom>
+          <a:noFill/>
+        </p:spPr>
+        <p:txBody>
+          <a:bodyPr wrap="none" rtlCol="0">
+            <a:spAutoFit/>
+          </a:bodyPr>
+          <a:p>
+            <a:r>
+              <a:rPr lang="en-US" altLang="zh-CN"/>
+              <a:t>request</a:t>
+            </a:r>
+            <a:r>
+              <a:rPr lang="zh-CN" altLang="en-US"/>
+              <a:t>的路径</a:t>
+            </a:r>
+            <a:r>
+              <a:rPr lang="en-US" altLang="zh-CN"/>
+              <a:t>API</a:t>
+            </a:r>
+            <a:r>
+              <a:rPr lang="zh-CN" altLang="en-US"/>
+              <a:t>示意图</a:t>
+            </a:r>
+            <a:endParaRPr lang="zh-CN" altLang="en-US"/>
+          </a:p>
+        </p:txBody>
+      </p:sp>
     </p:spTree>
   </p:cSld>
   <p:clrMapOvr>
